--- a/monthlyreports.pptx
+++ b/monthlyreports.pptx
@@ -113,10 +113,6 @@
     </p:ext>
   </p:extLst>
 </p:presentation>
-</file>
-
-<file path=ppt/revisionInfo.xml><?xml version="1.0" encoding="utf-8"?>
-<p1510:revInfo xmlns:a="http://schemas.openxmlformats.org/drawingml/2006/main" xmlns:r="http://schemas.openxmlformats.org/officeDocument/2006/relationships" xmlns:p1510="http://schemas.microsoft.com/office/powerpoint/2015/10/main"/>
 </file>
 
 <file path=ppt/slideLayouts/slideLayout1.xml><?xml version="1.0" encoding="utf-8"?>
@@ -5604,7 +5600,7 @@
                 <a:ea typeface="+mn-ea"/>
                 <a:cs typeface="Arial" panose="020B0604020202020204" pitchFamily="34" charset="0"/>
               </a:rPr>
-              <a:t>Monthly Sales Report</a:t>
+              <a:t>Monthly Loss/Profit Report</a:t>
             </a:r>
           </a:p>
           <a:p>
